--- a/Presentations/Boulder_2025/2025_October_glTF.pptx
+++ b/Presentations/Boulder_2025/2025_October_glTF.pptx
@@ -3256,7 +3256,7 @@
           <a:p>
             <a:fld id="{8028D1E4-4BBA-6F41-9D9B-7C498DFA1119}" type="datetimeFigureOut">
               <a:rPr lang="en-US" smtClean="0"/>
-              <a:t>10/24/2025</a:t>
+              <a:t>10/27/2025</a:t>
             </a:fld>
             <a:endParaRPr lang="en-US"/>
           </a:p>
@@ -3433,7 +3433,7 @@
           <a:p>
             <a:fld id="{761ABE01-8AD2-744F-9651-CCC9DC857332}" type="datetimeFigureOut">
               <a:rPr lang="en-US" smtClean="0"/>
-              <a:t>10/24/2025</a:t>
+              <a:t>10/27/2025</a:t>
             </a:fld>
             <a:endParaRPr lang="en-US"/>
           </a:p>
@@ -5459,7 +5459,7 @@
             <a:fld id="{1D8BD707-D9CF-40AE-B4C6-C98DA3205C09}" type="datetimeFigureOut">
               <a:rPr lang="en-US" smtClean="0"/>
               <a:pPr/>
-              <a:t>10/24/2025</a:t>
+              <a:t>10/27/2025</a:t>
             </a:fld>
             <a:endParaRPr lang="en-US" dirty="0"/>
           </a:p>
@@ -5879,7 +5879,7 @@
             </a:br>
             <a:r>
               <a:rPr lang="en-US" dirty="0" err="1"/>
-              <a:t>GeoPose</a:t>
+              <a:t>CityGML</a:t>
             </a:r>
             <a:r>
               <a:rPr lang="en-US" dirty="0"/>
@@ -5930,12 +5930,8 @@
           <a:p>
             <a:pPr algn="ctr"/>
             <a:r>
-              <a:rPr lang="en-US" sz="5400"/>
-              <a:t>Status of the </a:t>
-            </a:r>
-            <a:r>
               <a:rPr lang="en-US" sz="5400" dirty="0"/>
-              <a:t>Khronos </a:t>
+              <a:t>A Khronos </a:t>
             </a:r>
             <a:r>
               <a:rPr lang="en-US" sz="5400" dirty="0" err="1"/>
@@ -6309,25 +6305,13 @@
               <a:rPr lang="en-US" dirty="0">
                 <a:latin typeface="+mn-lt"/>
               </a:rPr>
-              <a:t>	Josh Lieberman, </a:t>
-            </a:r>
-            <a:r>
-              <a:rPr lang="en-US" dirty="0" err="1">
-                <a:latin typeface="+mn-lt"/>
-              </a:rPr>
-              <a:t>xxxxx</a:t>
-            </a:r>
-            <a:r>
-              <a:rPr lang="en-US" dirty="0">
-                <a:latin typeface="+mn-lt"/>
-              </a:rPr>
-              <a:t>, </a:t>
-            </a:r>
-            <a:r>
-              <a:rPr lang="en-US" dirty="0" err="1">
-                <a:latin typeface="+mn-lt"/>
-              </a:rPr>
-              <a:t>j@m</a:t>
+              <a:t>	Josh Lieberman, Tumbling Walls, </a:t>
+            </a:r>
+            <a:r>
+              <a:rPr lang="de-DE" dirty="0">
+                <a:latin typeface="+mn-lt"/>
+              </a:rPr>
+              <a:t>jlieberman@tumblingwalls.com&gt;</a:t>
             </a:r>
             <a:endParaRPr lang="en-US" dirty="0">
               <a:latin typeface="+mn-lt"/>
@@ -6355,7 +6339,19 @@
               <a:rPr lang="en-US" dirty="0">
                 <a:latin typeface="+mn-lt"/>
               </a:rPr>
-              <a:t>	Draft</a:t>
+              <a:t>	</a:t>
+            </a:r>
+            <a:r>
+              <a:rPr lang="en-US" dirty="0" err="1">
+                <a:latin typeface="+mn-lt"/>
+              </a:rPr>
+              <a:t>Khonos</a:t>
+            </a:r>
+            <a:r>
+              <a:rPr lang="en-US" dirty="0">
+                <a:latin typeface="+mn-lt"/>
+              </a:rPr>
+              <a:t> “Idea” = Draft</a:t>
             </a:r>
           </a:p>
           <a:p>
@@ -7387,12 +7383,17 @@
           <a:bodyPr/>
           <a:lstStyle/>
           <a:p>
-            <a:pPr marL="0" indent="0">
-              <a:buNone/>
-            </a:pPr>
             <a:r>
               <a:rPr lang="en-US" dirty="0"/>
-              <a:t>Made preliminary submission: status  </a:t>
+              <a:t>Convert (“render”) hundreds of million </a:t>
+            </a:r>
+            <a:r>
+              <a:rPr lang="en-US" dirty="0" err="1"/>
+              <a:t>CityGML</a:t>
+            </a:r>
+            <a:r>
+              <a:rPr lang="en-US" dirty="0"/>
+              <a:t> buildings to </a:t>
             </a:r>
             <a:r>
               <a:rPr lang="en-US" dirty="0" err="1"/>
@@ -7400,39 +7401,22 @@
             </a:r>
             <a:r>
               <a:rPr lang="en-US" dirty="0"/>
-              <a:t> “Idea”</a:t>
-            </a:r>
-          </a:p>
-          <a:p>
-            <a:pPr marL="0" indent="0">
-              <a:buNone/>
-            </a:pPr>
+              <a:t>.</a:t>
+            </a:r>
+          </a:p>
+          <a:p>
+            <a:pPr lvl="1"/>
             <a:r>
               <a:rPr lang="en-US" dirty="0"/>
-              <a:t>When </a:t>
-            </a:r>
-            <a:r>
-              <a:rPr lang="en-US" dirty="0" err="1"/>
-              <a:t>GeoPoseIT</a:t>
-            </a:r>
+              <a:t>Immediately makes the individual buildings integrable into custom-made models.</a:t>
+            </a:r>
+          </a:p>
+          <a:p>
+            <a:pPr lvl="1"/>
             <a:r>
               <a:rPr lang="en-US" dirty="0"/>
-              <a:t> service to attach extension to any existing </a:t>
-            </a:r>
-            <a:r>
-              <a:rPr lang="en-US" dirty="0" err="1"/>
-              <a:t>glTF</a:t>
-            </a:r>
-            <a:r>
-              <a:rPr lang="en-US" dirty="0"/>
-              <a:t> file is online, will go to next step in the Khronos process. ETA Q1 2026.</a:t>
-            </a:r>
-          </a:p>
-          <a:p>
-            <a:pPr marL="0" indent="0">
-              <a:buNone/>
-            </a:pPr>
-            <a:endParaRPr lang="en-US" dirty="0"/>
+              <a:t>Automated annotation of ML training imagery.</a:t>
+            </a:r>
           </a:p>
           <a:p>
             <a:pPr marL="0" indent="0">
@@ -7495,7 +7479,15 @@
           <a:p>
             <a:r>
               <a:rPr lang="en-US" dirty="0"/>
-              <a:t>Status</a:t>
+              <a:t>A </a:t>
+            </a:r>
+            <a:r>
+              <a:rPr lang="en-US" dirty="0" err="1"/>
+              <a:t>Cruss</a:t>
+            </a:r>
+            <a:r>
+              <a:rPr lang="en-US" dirty="0"/>
+              <a:t>-SWG Application of the Extension</a:t>
             </a:r>
           </a:p>
         </p:txBody>
@@ -8744,6 +8736,15 @@
 </file>
 
 <file path=customXml/item1.xml><?xml version="1.0" encoding="utf-8"?>
+<?mso-contentType ?>
+<FormTemplates xmlns="http://schemas.microsoft.com/sharepoint/v3/contenttype/forms">
+  <Display>DocumentLibraryForm</Display>
+  <Edit>DocumentLibraryForm</Edit>
+  <New>DocumentLibraryForm</New>
+</FormTemplates>
+</file>
+
+<file path=customXml/item2.xml><?xml version="1.0" encoding="utf-8"?>
 <ct:contentTypeSchema xmlns:ct="http://schemas.microsoft.com/office/2006/metadata/contentType" xmlns:ma="http://schemas.microsoft.com/office/2006/metadata/properties/metaAttributes" ct:_="" ma:_="" ma:contentTypeName="Document" ma:contentTypeID="0x01010043D6C5B1E4575B45A67252651D547745" ma:contentTypeVersion="5" ma:contentTypeDescription="Create a new document." ma:contentTypeScope="" ma:versionID="abcbbf97e778d2459eaf06a99253d27f">
   <xsd:schema xmlns:xsd="http://www.w3.org/2001/XMLSchema" xmlns:xs="http://www.w3.org/2001/XMLSchema" xmlns:p="http://schemas.microsoft.com/office/2006/metadata/properties" xmlns:ns3="c9d48118-3257-49e8-b197-f28d09ea93e0" targetNamespace="http://schemas.microsoft.com/office/2006/metadata/properties" ma:root="true" ma:fieldsID="4ab44e5032784fa9d2a4b9a076403eae" ns3:_="">
     <xsd:import namespace="c9d48118-3257-49e8-b197-f28d09ea93e0"/>
@@ -8895,15 +8896,6 @@
 </ct:contentTypeSchema>
 </file>
 
-<file path=customXml/item2.xml><?xml version="1.0" encoding="utf-8"?>
-<?mso-contentType ?>
-<FormTemplates xmlns="http://schemas.microsoft.com/sharepoint/v3/contenttype/forms">
-  <Display>DocumentLibraryForm</Display>
-  <Edit>DocumentLibraryForm</Edit>
-  <New>DocumentLibraryForm</New>
-</FormTemplates>
-</file>
-
 <file path=customXml/item3.xml><?xml version="1.0" encoding="utf-8"?>
 <p:properties xmlns:p="http://schemas.microsoft.com/office/2006/metadata/properties" xmlns:xsi="http://www.w3.org/2001/XMLSchema-instance" xmlns:pc="http://schemas.microsoft.com/office/infopath/2007/PartnerControls">
   <documentManagement/>
@@ -8911,6 +8903,14 @@
 </file>
 
 <file path=customXml/itemProps1.xml><?xml version="1.0" encoding="utf-8"?>
+<ds:datastoreItem xmlns:ds="http://schemas.openxmlformats.org/officeDocument/2006/customXml" ds:itemID="{A028D80A-D8F1-4E9F-96FE-EDED6B38411B}">
+  <ds:schemaRefs>
+    <ds:schemaRef ds:uri="http://schemas.microsoft.com/sharepoint/v3/contenttype/forms"/>
+  </ds:schemaRefs>
+</ds:datastoreItem>
+</file>
+
+<file path=customXml/itemProps2.xml><?xml version="1.0" encoding="utf-8"?>
 <ds:datastoreItem xmlns:ds="http://schemas.openxmlformats.org/officeDocument/2006/customXml" ds:itemID="{B1637B73-45C9-44F2-97E6-558EE7A2FC82}">
   <ds:schemaRefs>
     <ds:schemaRef ds:uri="http://schemas.microsoft.com/office/2006/metadata/contentType"/>
@@ -8924,14 +8924,6 @@
     <ds:schemaRef ds:uri="http://purl.org/dc/elements/1.1/"/>
     <ds:schemaRef ds:uri="http://purl.org/dc/terms/"/>
     <ds:schemaRef ds:uri="http://schemas.microsoft.com/internal/obd"/>
-  </ds:schemaRefs>
-</ds:datastoreItem>
-</file>
-
-<file path=customXml/itemProps2.xml><?xml version="1.0" encoding="utf-8"?>
-<ds:datastoreItem xmlns:ds="http://schemas.openxmlformats.org/officeDocument/2006/customXml" ds:itemID="{A028D80A-D8F1-4E9F-96FE-EDED6B38411B}">
-  <ds:schemaRefs>
-    <ds:schemaRef ds:uri="http://schemas.microsoft.com/sharepoint/v3/contenttype/forms"/>
   </ds:schemaRefs>
 </ds:datastoreItem>
 </file>
